--- a/stancon_day1.pptx
+++ b/stancon_day1.pptx
@@ -5,10 +5,11 @@
     <p:sldMasterId id="2147483648" r:id="rId1"/>
   </p:sldMasterIdLst>
   <p:sldIdLst>
-    <p:sldId id="257" r:id="rId2"/>
-    <p:sldId id="258" r:id="rId3"/>
-    <p:sldId id="259" r:id="rId4"/>
-    <p:sldId id="260" r:id="rId5"/>
+    <p:sldId id="258" r:id="rId2"/>
+    <p:sldId id="257" r:id="rId3"/>
+    <p:sldId id="261" r:id="rId4"/>
+    <p:sldId id="259" r:id="rId5"/>
+    <p:sldId id="260" r:id="rId6"/>
   </p:sldIdLst>
   <p:sldSz cx="12192000" cy="6858000"/>
   <p:notesSz cx="6858000" cy="9144000"/>
@@ -3339,10 +3340,10 @@
       </p:grpSpPr>
       <p:pic>
         <p:nvPicPr>
-          <p:cNvPr id="5" name="Picture 4" descr="A picture containing text, dog breed, pet, dog&#10;&#10;Description automatically generated">
-            <a:extLst>
-              <a:ext uri="{FF2B5EF4-FFF2-40B4-BE49-F238E27FC236}">
-                <a16:creationId xmlns:a16="http://schemas.microsoft.com/office/drawing/2014/main" id="{277F94EA-97D8-6018-A02D-9CDA8422360E}"/>
+          <p:cNvPr id="7" name="Picture 6" descr="A close-up of a logo&#10;&#10;Description automatically generated with low confidence">
+            <a:extLst>
+              <a:ext uri="{FF2B5EF4-FFF2-40B4-BE49-F238E27FC236}">
+                <a16:creationId xmlns:a16="http://schemas.microsoft.com/office/drawing/2014/main" id="{7FF8D4E6-B363-5030-38DA-D5994727BB66}"/>
               </a:ext>
             </a:extLst>
           </p:cNvPr>
@@ -3365,231 +3366,8 @@
         </p:blipFill>
         <p:spPr>
           <a:xfrm>
-            <a:off x="2510917" y="36095"/>
-            <a:ext cx="6977660" cy="6858000"/>
-          </a:xfrm>
-          <a:prstGeom prst="rect">
-            <a:avLst/>
-          </a:prstGeom>
-        </p:spPr>
-      </p:pic>
-    </p:spTree>
-    <p:extLst>
-      <p:ext uri="{BB962C8B-B14F-4D97-AF65-F5344CB8AC3E}">
-        <p14:creationId xmlns:p14="http://schemas.microsoft.com/office/powerpoint/2010/main" val="478616059"/>
-      </p:ext>
-    </p:extLst>
-  </p:cSld>
-  <p:clrMapOvr>
-    <a:masterClrMapping/>
-  </p:clrMapOvr>
-</p:sld>
-</file>
-
-<file path=ppt/slides/slide2.xml><?xml version="1.0" encoding="utf-8"?>
-<p:sld xmlns:a="http://schemas.openxmlformats.org/drawingml/2006/main" xmlns:r="http://schemas.openxmlformats.org/officeDocument/2006/relationships" xmlns:p="http://schemas.openxmlformats.org/presentationml/2006/main">
-  <p:cSld>
-    <p:spTree>
-      <p:nvGrpSpPr>
-        <p:cNvPr id="1" name=""/>
-        <p:cNvGrpSpPr/>
-        <p:nvPr/>
-      </p:nvGrpSpPr>
-      <p:grpSpPr>
-        <a:xfrm>
-          <a:off x="0" y="0"/>
-          <a:ext cx="0" cy="0"/>
-          <a:chOff x="0" y="0"/>
-          <a:chExt cx="0" cy="0"/>
-        </a:xfrm>
-      </p:grpSpPr>
-      <p:sp>
-        <p:nvSpPr>
-          <p:cNvPr id="2" name="Title 1">
-            <a:extLst>
-              <a:ext uri="{FF2B5EF4-FFF2-40B4-BE49-F238E27FC236}">
-                <a16:creationId xmlns:a16="http://schemas.microsoft.com/office/drawing/2014/main" id="{69BAF04A-B583-1A1E-678D-C7D3C9D19727}"/>
-              </a:ext>
-            </a:extLst>
-          </p:cNvPr>
-          <p:cNvSpPr>
-            <a:spLocks noGrp="1"/>
-          </p:cNvSpPr>
-          <p:nvPr>
-            <p:ph type="title"/>
-          </p:nvPr>
-        </p:nvSpPr>
-        <p:spPr/>
-        <p:txBody>
-          <a:bodyPr/>
-          <a:lstStyle/>
-          <a:p>
-            <a:r>
-              <a:rPr lang="en-US" dirty="0"/>
-              <a:t>Coming next</a:t>
-            </a:r>
-          </a:p>
-        </p:txBody>
-      </p:sp>
-      <p:sp>
-        <p:nvSpPr>
-          <p:cNvPr id="4" name="TextBox 3">
-            <a:extLst>
-              <a:ext uri="{FF2B5EF4-FFF2-40B4-BE49-F238E27FC236}">
-                <a16:creationId xmlns:a16="http://schemas.microsoft.com/office/drawing/2014/main" id="{A1ADEB36-EB3C-2971-4EDD-34F0A6DCFFBF}"/>
-              </a:ext>
-            </a:extLst>
-          </p:cNvPr>
-          <p:cNvSpPr txBox="1"/>
-          <p:nvPr/>
-        </p:nvSpPr>
-        <p:spPr>
-          <a:xfrm>
-            <a:off x="1307431" y="1868906"/>
-            <a:ext cx="9304421" cy="1477328"/>
-          </a:xfrm>
-          <a:prstGeom prst="rect">
-            <a:avLst/>
-          </a:prstGeom>
-          <a:noFill/>
-        </p:spPr>
-        <p:txBody>
-          <a:bodyPr wrap="square">
-            <a:spAutoFit/>
-          </a:bodyPr>
-          <a:lstStyle/>
-          <a:p>
-            <a:r>
-              <a:rPr lang="en-US" sz="1800" b="0" i="0" u="none" strike="noStrike" baseline="0" dirty="0">
-                <a:solidFill>
-                  <a:srgbClr val="000000"/>
-                </a:solidFill>
-                <a:latin typeface="Calibri" panose="020F0502020204030204" pitchFamily="34" charset="0"/>
-              </a:rPr>
-              <a:t>Edgar Merkle	Journey to efficient sampling in multivariate normal latent variable model	</a:t>
-            </a:r>
-          </a:p>
-          <a:p>
-            <a:r>
-              <a:rPr lang="en-US" sz="1800" b="0" i="0" u="none" strike="noStrike" baseline="0" dirty="0">
-                <a:solidFill>
-                  <a:srgbClr val="000000"/>
-                </a:solidFill>
-                <a:latin typeface="Calibri" panose="020F0502020204030204" pitchFamily="34" charset="0"/>
-              </a:rPr>
-              <a:t>Ariane </a:t>
-            </a:r>
-            <a:r>
-              <a:rPr lang="en-US" sz="1800" b="0" i="0" u="none" strike="noStrike" baseline="0" dirty="0" err="1">
-                <a:solidFill>
-                  <a:srgbClr val="000000"/>
-                </a:solidFill>
-                <a:latin typeface="Calibri" panose="020F0502020204030204" pitchFamily="34" charset="0"/>
-              </a:rPr>
-              <a:t>Kehlbacher</a:t>
-            </a:r>
-            <a:r>
-              <a:rPr lang="en-US" sz="1800" b="0" i="0" u="none" strike="noStrike" baseline="0" dirty="0">
-                <a:solidFill>
-                  <a:srgbClr val="000000"/>
-                </a:solidFill>
-                <a:latin typeface="Calibri" panose="020F0502020204030204" pitchFamily="34" charset="0"/>
-              </a:rPr>
-              <a:t>	Implementing an Almost Ideal Demand System of mobility expenditure		</a:t>
-            </a:r>
-          </a:p>
-          <a:p>
-            <a:r>
-              <a:rPr lang="sv-SE" sz="1800" b="0" i="0" u="none" strike="noStrike" baseline="0" dirty="0">
-                <a:solidFill>
-                  <a:srgbClr val="000000"/>
-                </a:solidFill>
-                <a:latin typeface="Calibri" panose="020F0502020204030204" pitchFamily="34" charset="0"/>
-              </a:rPr>
-              <a:t>Ben Goodrich	Kolmogorov and Stan	</a:t>
-            </a:r>
-          </a:p>
-        </p:txBody>
-      </p:sp>
-      <p:sp>
-        <p:nvSpPr>
-          <p:cNvPr id="5" name="TextBox 4">
-            <a:extLst>
-              <a:ext uri="{FF2B5EF4-FFF2-40B4-BE49-F238E27FC236}">
-                <a16:creationId xmlns:a16="http://schemas.microsoft.com/office/drawing/2014/main" id="{59E24250-AD37-635F-57A3-B0A3525E5A4E}"/>
-              </a:ext>
-            </a:extLst>
-          </p:cNvPr>
-          <p:cNvSpPr txBox="1"/>
-          <p:nvPr/>
-        </p:nvSpPr>
-        <p:spPr>
-          <a:xfrm>
-            <a:off x="1307430" y="3898232"/>
-            <a:ext cx="9304421" cy="369332"/>
-          </a:xfrm>
-          <a:prstGeom prst="rect">
-            <a:avLst/>
-          </a:prstGeom>
-          <a:noFill/>
-        </p:spPr>
-        <p:txBody>
-          <a:bodyPr wrap="square">
-            <a:spAutoFit/>
-          </a:bodyPr>
-          <a:lstStyle/>
-          <a:p>
-            <a:r>
-              <a:rPr lang="en-US" sz="1800" b="0" i="0" u="none" strike="noStrike" baseline="0" dirty="0">
-                <a:solidFill>
-                  <a:srgbClr val="000000"/>
-                </a:solidFill>
-                <a:latin typeface="Calibri" panose="020F0502020204030204" pitchFamily="34" charset="0"/>
-              </a:rPr>
-              <a:t>Session chair: Mitzi Morris</a:t>
-            </a:r>
-            <a:r>
-              <a:rPr lang="sv-SE" sz="1800" b="0" i="0" u="none" strike="noStrike" baseline="0" dirty="0">
-                <a:solidFill>
-                  <a:srgbClr val="000000"/>
-                </a:solidFill>
-                <a:latin typeface="Calibri" panose="020F0502020204030204" pitchFamily="34" charset="0"/>
-              </a:rPr>
-              <a:t>	</a:t>
-            </a:r>
-          </a:p>
-        </p:txBody>
-      </p:sp>
-      <p:pic>
-        <p:nvPicPr>
-          <p:cNvPr id="7" name="Picture 6" descr="A close-up of a logo&#10;&#10;Description automatically generated with low confidence">
-            <a:extLst>
-              <a:ext uri="{FF2B5EF4-FFF2-40B4-BE49-F238E27FC236}">
-                <a16:creationId xmlns:a16="http://schemas.microsoft.com/office/drawing/2014/main" id="{7FF8D4E6-B363-5030-38DA-D5994727BB66}"/>
-              </a:ext>
-            </a:extLst>
-          </p:cNvPr>
-          <p:cNvPicPr>
-            <a:picLocks noChangeAspect="1"/>
-          </p:cNvPicPr>
-          <p:nvPr/>
-        </p:nvPicPr>
-        <p:blipFill>
-          <a:blip r:embed="rId2">
-            <a:extLst>
-              <a:ext uri="{28A0092B-C50C-407E-A947-70E740481C1C}">
-                <a14:useLocalDpi xmlns:a14="http://schemas.microsoft.com/office/drawing/2010/main" val="0"/>
-              </a:ext>
-            </a:extLst>
-          </a:blip>
-          <a:stretch>
-            <a:fillRect/>
-          </a:stretch>
-        </p:blipFill>
-        <p:spPr>
-          <a:xfrm>
-            <a:off x="7137917" y="365125"/>
-            <a:ext cx="4630947" cy="981854"/>
+            <a:off x="1314804" y="1299460"/>
+            <a:ext cx="8816134" cy="1869198"/>
           </a:xfrm>
           <a:prstGeom prst="rect">
             <a:avLst/>
@@ -3610,8 +3388,8 @@
         </p:nvGrpSpPr>
         <p:grpSpPr>
           <a:xfrm>
-            <a:off x="1793663" y="5450684"/>
-            <a:ext cx="8604674" cy="1190069"/>
+            <a:off x="1053678" y="3689342"/>
+            <a:ext cx="9970301" cy="1378942"/>
             <a:chOff x="453249" y="4903193"/>
             <a:chExt cx="11738751" cy="1623527"/>
           </a:xfrm>
@@ -3810,7 +3588,497 @@
 </p:sld>
 </file>
 
+<file path=ppt/slides/slide2.xml><?xml version="1.0" encoding="utf-8"?>
+<p:sld xmlns:a="http://schemas.openxmlformats.org/drawingml/2006/main" xmlns:r="http://schemas.openxmlformats.org/officeDocument/2006/relationships" xmlns:p="http://schemas.openxmlformats.org/presentationml/2006/main">
+  <p:cSld>
+    <p:spTree>
+      <p:nvGrpSpPr>
+        <p:cNvPr id="1" name=""/>
+        <p:cNvGrpSpPr/>
+        <p:nvPr/>
+      </p:nvGrpSpPr>
+      <p:grpSpPr>
+        <a:xfrm>
+          <a:off x="0" y="0"/>
+          <a:ext cx="0" cy="0"/>
+          <a:chOff x="0" y="0"/>
+          <a:chExt cx="0" cy="0"/>
+        </a:xfrm>
+      </p:grpSpPr>
+      <p:pic>
+        <p:nvPicPr>
+          <p:cNvPr id="5" name="Picture 4" descr="A picture containing text, dog breed, pet, dog&#10;&#10;Description automatically generated">
+            <a:extLst>
+              <a:ext uri="{FF2B5EF4-FFF2-40B4-BE49-F238E27FC236}">
+                <a16:creationId xmlns:a16="http://schemas.microsoft.com/office/drawing/2014/main" id="{277F94EA-97D8-6018-A02D-9CDA8422360E}"/>
+              </a:ext>
+            </a:extLst>
+          </p:cNvPr>
+          <p:cNvPicPr>
+            <a:picLocks noChangeAspect="1"/>
+          </p:cNvPicPr>
+          <p:nvPr/>
+        </p:nvPicPr>
+        <p:blipFill>
+          <a:blip r:embed="rId2">
+            <a:extLst>
+              <a:ext uri="{28A0092B-C50C-407E-A947-70E740481C1C}">
+                <a14:useLocalDpi xmlns:a14="http://schemas.microsoft.com/office/drawing/2010/main" val="0"/>
+              </a:ext>
+            </a:extLst>
+          </a:blip>
+          <a:stretch>
+            <a:fillRect/>
+          </a:stretch>
+        </p:blipFill>
+        <p:spPr>
+          <a:xfrm>
+            <a:off x="2510917" y="36095"/>
+            <a:ext cx="6977660" cy="6858000"/>
+          </a:xfrm>
+          <a:prstGeom prst="rect">
+            <a:avLst/>
+          </a:prstGeom>
+        </p:spPr>
+      </p:pic>
+    </p:spTree>
+    <p:extLst>
+      <p:ext uri="{BB962C8B-B14F-4D97-AF65-F5344CB8AC3E}">
+        <p14:creationId xmlns:p14="http://schemas.microsoft.com/office/powerpoint/2010/main" val="478616059"/>
+      </p:ext>
+    </p:extLst>
+  </p:cSld>
+  <p:clrMapOvr>
+    <a:masterClrMapping/>
+  </p:clrMapOvr>
+</p:sld>
+</file>
+
 <file path=ppt/slides/slide3.xml><?xml version="1.0" encoding="utf-8"?>
+<p:sld xmlns:a="http://schemas.openxmlformats.org/drawingml/2006/main" xmlns:r="http://schemas.openxmlformats.org/officeDocument/2006/relationships" xmlns:p="http://schemas.openxmlformats.org/presentationml/2006/main">
+  <p:cSld>
+    <p:spTree>
+      <p:nvGrpSpPr>
+        <p:cNvPr id="1" name=""/>
+        <p:cNvGrpSpPr/>
+        <p:nvPr/>
+      </p:nvGrpSpPr>
+      <p:grpSpPr>
+        <a:xfrm>
+          <a:off x="0" y="0"/>
+          <a:ext cx="0" cy="0"/>
+          <a:chOff x="0" y="0"/>
+          <a:chExt cx="0" cy="0"/>
+        </a:xfrm>
+      </p:grpSpPr>
+      <p:sp>
+        <p:nvSpPr>
+          <p:cNvPr id="2" name="Title 1">
+            <a:extLst>
+              <a:ext uri="{FF2B5EF4-FFF2-40B4-BE49-F238E27FC236}">
+                <a16:creationId xmlns:a16="http://schemas.microsoft.com/office/drawing/2014/main" id="{69BAF04A-B583-1A1E-678D-C7D3C9D19727}"/>
+              </a:ext>
+            </a:extLst>
+          </p:cNvPr>
+          <p:cNvSpPr>
+            <a:spLocks noGrp="1"/>
+          </p:cNvSpPr>
+          <p:nvPr>
+            <p:ph type="title"/>
+          </p:nvPr>
+        </p:nvSpPr>
+        <p:spPr/>
+        <p:txBody>
+          <a:bodyPr/>
+          <a:lstStyle/>
+          <a:p>
+            <a:r>
+              <a:rPr lang="en-US" dirty="0"/>
+              <a:t>Coming next</a:t>
+            </a:r>
+          </a:p>
+        </p:txBody>
+      </p:sp>
+      <p:sp>
+        <p:nvSpPr>
+          <p:cNvPr id="4" name="TextBox 3">
+            <a:extLst>
+              <a:ext uri="{FF2B5EF4-FFF2-40B4-BE49-F238E27FC236}">
+                <a16:creationId xmlns:a16="http://schemas.microsoft.com/office/drawing/2014/main" id="{A1ADEB36-EB3C-2971-4EDD-34F0A6DCFFBF}"/>
+              </a:ext>
+            </a:extLst>
+          </p:cNvPr>
+          <p:cNvSpPr txBox="1"/>
+          <p:nvPr/>
+        </p:nvSpPr>
+        <p:spPr>
+          <a:xfrm>
+            <a:off x="1307431" y="1868906"/>
+            <a:ext cx="9304421" cy="1477328"/>
+          </a:xfrm>
+          <a:prstGeom prst="rect">
+            <a:avLst/>
+          </a:prstGeom>
+          <a:noFill/>
+        </p:spPr>
+        <p:txBody>
+          <a:bodyPr wrap="square">
+            <a:spAutoFit/>
+          </a:bodyPr>
+          <a:lstStyle/>
+          <a:p>
+            <a:r>
+              <a:rPr lang="en-US" sz="1800" b="0" i="0" u="none" strike="noStrike" baseline="0" dirty="0">
+                <a:solidFill>
+                  <a:srgbClr val="000000"/>
+                </a:solidFill>
+                <a:latin typeface="Calibri" panose="020F0502020204030204" pitchFamily="34" charset="0"/>
+              </a:rPr>
+              <a:t>Edgar Merkle	Journey to efficient sampling in multivariate normal latent variable model	</a:t>
+            </a:r>
+          </a:p>
+          <a:p>
+            <a:r>
+              <a:rPr lang="en-US" sz="1800" b="0" i="0" u="none" strike="noStrike" baseline="0" dirty="0">
+                <a:solidFill>
+                  <a:srgbClr val="000000"/>
+                </a:solidFill>
+                <a:latin typeface="Calibri" panose="020F0502020204030204" pitchFamily="34" charset="0"/>
+              </a:rPr>
+              <a:t>Ariane </a:t>
+            </a:r>
+            <a:r>
+              <a:rPr lang="en-US" sz="1800" b="0" i="0" u="none" strike="noStrike" baseline="0" dirty="0" err="1">
+                <a:solidFill>
+                  <a:srgbClr val="000000"/>
+                </a:solidFill>
+                <a:latin typeface="Calibri" panose="020F0502020204030204" pitchFamily="34" charset="0"/>
+              </a:rPr>
+              <a:t>Kehlbacher</a:t>
+            </a:r>
+            <a:r>
+              <a:rPr lang="en-US" sz="1800" b="0" i="0" u="none" strike="noStrike" baseline="0" dirty="0">
+                <a:solidFill>
+                  <a:srgbClr val="000000"/>
+                </a:solidFill>
+                <a:latin typeface="Calibri" panose="020F0502020204030204" pitchFamily="34" charset="0"/>
+              </a:rPr>
+              <a:t>	Implementing an Almost Ideal Demand System of mobility expenditure		</a:t>
+            </a:r>
+          </a:p>
+          <a:p>
+            <a:r>
+              <a:rPr lang="sv-SE" sz="1800" b="0" i="0" u="none" strike="noStrike" baseline="0" dirty="0">
+                <a:solidFill>
+                  <a:srgbClr val="000000"/>
+                </a:solidFill>
+                <a:latin typeface="Calibri" panose="020F0502020204030204" pitchFamily="34" charset="0"/>
+              </a:rPr>
+              <a:t>Ben Goodrich	Kolmogorov and Stan	</a:t>
+            </a:r>
+          </a:p>
+        </p:txBody>
+      </p:sp>
+      <p:sp>
+        <p:nvSpPr>
+          <p:cNvPr id="5" name="TextBox 4">
+            <a:extLst>
+              <a:ext uri="{FF2B5EF4-FFF2-40B4-BE49-F238E27FC236}">
+                <a16:creationId xmlns:a16="http://schemas.microsoft.com/office/drawing/2014/main" id="{59E24250-AD37-635F-57A3-B0A3525E5A4E}"/>
+              </a:ext>
+            </a:extLst>
+          </p:cNvPr>
+          <p:cNvSpPr txBox="1"/>
+          <p:nvPr/>
+        </p:nvSpPr>
+        <p:spPr>
+          <a:xfrm>
+            <a:off x="1307430" y="3898232"/>
+            <a:ext cx="9304421" cy="369332"/>
+          </a:xfrm>
+          <a:prstGeom prst="rect">
+            <a:avLst/>
+          </a:prstGeom>
+          <a:noFill/>
+        </p:spPr>
+        <p:txBody>
+          <a:bodyPr wrap="square">
+            <a:spAutoFit/>
+          </a:bodyPr>
+          <a:lstStyle/>
+          <a:p>
+            <a:r>
+              <a:rPr lang="en-US" sz="1800" b="0" i="0" u="none" strike="noStrike" baseline="0" dirty="0">
+                <a:solidFill>
+                  <a:srgbClr val="000000"/>
+                </a:solidFill>
+                <a:latin typeface="Calibri" panose="020F0502020204030204" pitchFamily="34" charset="0"/>
+              </a:rPr>
+              <a:t>Session chair: Mitzi Morris</a:t>
+            </a:r>
+            <a:r>
+              <a:rPr lang="sv-SE" sz="1800" b="0" i="0" u="none" strike="noStrike" baseline="0" dirty="0">
+                <a:solidFill>
+                  <a:srgbClr val="000000"/>
+                </a:solidFill>
+                <a:latin typeface="Calibri" panose="020F0502020204030204" pitchFamily="34" charset="0"/>
+              </a:rPr>
+              <a:t>	</a:t>
+            </a:r>
+          </a:p>
+        </p:txBody>
+      </p:sp>
+      <p:pic>
+        <p:nvPicPr>
+          <p:cNvPr id="7" name="Picture 6" descr="A close-up of a logo&#10;&#10;Description automatically generated with low confidence">
+            <a:extLst>
+              <a:ext uri="{FF2B5EF4-FFF2-40B4-BE49-F238E27FC236}">
+                <a16:creationId xmlns:a16="http://schemas.microsoft.com/office/drawing/2014/main" id="{7FF8D4E6-B363-5030-38DA-D5994727BB66}"/>
+              </a:ext>
+            </a:extLst>
+          </p:cNvPr>
+          <p:cNvPicPr>
+            <a:picLocks noChangeAspect="1"/>
+          </p:cNvPicPr>
+          <p:nvPr/>
+        </p:nvPicPr>
+        <p:blipFill>
+          <a:blip r:embed="rId2">
+            <a:extLst>
+              <a:ext uri="{28A0092B-C50C-407E-A947-70E740481C1C}">
+                <a14:useLocalDpi xmlns:a14="http://schemas.microsoft.com/office/drawing/2010/main" val="0"/>
+              </a:ext>
+            </a:extLst>
+          </a:blip>
+          <a:stretch>
+            <a:fillRect/>
+          </a:stretch>
+        </p:blipFill>
+        <p:spPr>
+          <a:xfrm>
+            <a:off x="7137917" y="365125"/>
+            <a:ext cx="4630947" cy="981854"/>
+          </a:xfrm>
+          <a:prstGeom prst="rect">
+            <a:avLst/>
+          </a:prstGeom>
+        </p:spPr>
+      </p:pic>
+      <p:grpSp>
+        <p:nvGrpSpPr>
+          <p:cNvPr id="8" name="Group 7">
+            <a:extLst>
+              <a:ext uri="{FF2B5EF4-FFF2-40B4-BE49-F238E27FC236}">
+                <a16:creationId xmlns:a16="http://schemas.microsoft.com/office/drawing/2014/main" id="{72A80BB1-0506-20BE-17CE-5DB9FF29CD1A}"/>
+              </a:ext>
+            </a:extLst>
+          </p:cNvPr>
+          <p:cNvGrpSpPr/>
+          <p:nvPr/>
+        </p:nvGrpSpPr>
+        <p:grpSpPr>
+          <a:xfrm>
+            <a:off x="1793663" y="5450684"/>
+            <a:ext cx="8604674" cy="1190069"/>
+            <a:chOff x="453249" y="4903193"/>
+            <a:chExt cx="11738751" cy="1623527"/>
+          </a:xfrm>
+        </p:grpSpPr>
+        <p:pic>
+          <p:nvPicPr>
+            <p:cNvPr id="9" name="Picture 8" descr="A logo on a black background&#10;&#10;Description automatically generated with low confidence">
+              <a:extLst>
+                <a:ext uri="{FF2B5EF4-FFF2-40B4-BE49-F238E27FC236}">
+                  <a16:creationId xmlns:a16="http://schemas.microsoft.com/office/drawing/2014/main" id="{9620D6B0-83B4-B611-B837-B851D1C1BC1E}"/>
+                </a:ext>
+              </a:extLst>
+            </p:cNvPr>
+            <p:cNvPicPr>
+              <a:picLocks noChangeAspect="1"/>
+            </p:cNvPicPr>
+            <p:nvPr/>
+          </p:nvPicPr>
+          <p:blipFill>
+            <a:blip r:embed="rId3">
+              <a:extLst>
+                <a:ext uri="{28A0092B-C50C-407E-A947-70E740481C1C}">
+                  <a14:useLocalDpi xmlns:a14="http://schemas.microsoft.com/office/drawing/2010/main" val="0"/>
+                </a:ext>
+              </a:extLst>
+            </a:blip>
+            <a:stretch>
+              <a:fillRect/>
+            </a:stretch>
+          </p:blipFill>
+          <p:spPr>
+            <a:xfrm>
+              <a:off x="453249" y="5153592"/>
+              <a:ext cx="2342608" cy="1325563"/>
+            </a:xfrm>
+            <a:prstGeom prst="rect">
+              <a:avLst/>
+            </a:prstGeom>
+          </p:spPr>
+        </p:pic>
+        <p:pic>
+          <p:nvPicPr>
+            <p:cNvPr id="10" name="Picture 9" descr="A picture containing font, graphics, text, graphic design&#10;&#10;Description automatically generated">
+              <a:extLst>
+                <a:ext uri="{FF2B5EF4-FFF2-40B4-BE49-F238E27FC236}">
+                  <a16:creationId xmlns:a16="http://schemas.microsoft.com/office/drawing/2014/main" id="{BC7DB7C1-E382-A5BD-1F74-F28DEE0200A5}"/>
+                </a:ext>
+              </a:extLst>
+            </p:cNvPr>
+            <p:cNvPicPr>
+              <a:picLocks noChangeAspect="1"/>
+            </p:cNvPicPr>
+            <p:nvPr/>
+          </p:nvPicPr>
+          <p:blipFill>
+            <a:blip r:embed="rId4">
+              <a:extLst>
+                <a:ext uri="{28A0092B-C50C-407E-A947-70E740481C1C}">
+                  <a14:useLocalDpi xmlns:a14="http://schemas.microsoft.com/office/drawing/2010/main" val="0"/>
+                </a:ext>
+              </a:extLst>
+            </a:blip>
+            <a:stretch>
+              <a:fillRect/>
+            </a:stretch>
+          </p:blipFill>
+          <p:spPr>
+            <a:xfrm>
+              <a:off x="2795857" y="5541158"/>
+              <a:ext cx="2154806" cy="719153"/>
+            </a:xfrm>
+            <a:prstGeom prst="rect">
+              <a:avLst/>
+            </a:prstGeom>
+          </p:spPr>
+        </p:pic>
+        <p:pic>
+          <p:nvPicPr>
+            <p:cNvPr id="11" name="Picture 10" descr="A picture containing text, font, graphics, graphic design&#10;&#10;Description automatically generated">
+              <a:extLst>
+                <a:ext uri="{FF2B5EF4-FFF2-40B4-BE49-F238E27FC236}">
+                  <a16:creationId xmlns:a16="http://schemas.microsoft.com/office/drawing/2014/main" id="{F996E45D-7187-574D-2C60-B5E32F6CFBB8}"/>
+                </a:ext>
+              </a:extLst>
+            </p:cNvPr>
+            <p:cNvPicPr>
+              <a:picLocks noChangeAspect="1"/>
+            </p:cNvPicPr>
+            <p:nvPr/>
+          </p:nvPicPr>
+          <p:blipFill>
+            <a:blip r:embed="rId5">
+              <a:extLst>
+                <a:ext uri="{28A0092B-C50C-407E-A947-70E740481C1C}">
+                  <a14:useLocalDpi xmlns:a14="http://schemas.microsoft.com/office/drawing/2010/main" val="0"/>
+                </a:ext>
+              </a:extLst>
+            </a:blip>
+            <a:stretch>
+              <a:fillRect/>
+            </a:stretch>
+          </p:blipFill>
+          <p:spPr>
+            <a:xfrm>
+              <a:off x="7435293" y="5541158"/>
+              <a:ext cx="2457056" cy="579841"/>
+            </a:xfrm>
+            <a:prstGeom prst="rect">
+              <a:avLst/>
+            </a:prstGeom>
+          </p:spPr>
+        </p:pic>
+        <p:pic>
+          <p:nvPicPr>
+            <p:cNvPr id="12" name="Picture 11" descr="A picture containing font, graphics, text, logo&#10;&#10;Description automatically generated">
+              <a:extLst>
+                <a:ext uri="{FF2B5EF4-FFF2-40B4-BE49-F238E27FC236}">
+                  <a16:creationId xmlns:a16="http://schemas.microsoft.com/office/drawing/2014/main" id="{7F784A3F-66DE-FEB7-102B-8DE81BA900D8}"/>
+                </a:ext>
+              </a:extLst>
+            </p:cNvPr>
+            <p:cNvPicPr>
+              <a:picLocks noChangeAspect="1"/>
+            </p:cNvPicPr>
+            <p:nvPr/>
+          </p:nvPicPr>
+          <p:blipFill>
+            <a:blip r:embed="rId6">
+              <a:extLst>
+                <a:ext uri="{28A0092B-C50C-407E-A947-70E740481C1C}">
+                  <a14:useLocalDpi xmlns:a14="http://schemas.microsoft.com/office/drawing/2010/main" val="0"/>
+                </a:ext>
+              </a:extLst>
+            </a:blip>
+            <a:stretch>
+              <a:fillRect/>
+            </a:stretch>
+          </p:blipFill>
+          <p:spPr>
+            <a:xfrm>
+              <a:off x="4964450" y="5187091"/>
+              <a:ext cx="2457056" cy="1289954"/>
+            </a:xfrm>
+            <a:prstGeom prst="rect">
+              <a:avLst/>
+            </a:prstGeom>
+          </p:spPr>
+        </p:pic>
+        <p:pic>
+          <p:nvPicPr>
+            <p:cNvPr id="13" name="Picture 12" descr="A picture containing black, darkness&#10;&#10;Description automatically generated">
+              <a:extLst>
+                <a:ext uri="{FF2B5EF4-FFF2-40B4-BE49-F238E27FC236}">
+                  <a16:creationId xmlns:a16="http://schemas.microsoft.com/office/drawing/2014/main" id="{DED9F9C7-D570-58EA-D531-4F4B2830DD12}"/>
+                </a:ext>
+              </a:extLst>
+            </p:cNvPr>
+            <p:cNvPicPr>
+              <a:picLocks noChangeAspect="1"/>
+            </p:cNvPicPr>
+            <p:nvPr/>
+          </p:nvPicPr>
+          <p:blipFill>
+            <a:blip r:embed="rId7">
+              <a:extLst>
+                <a:ext uri="{28A0092B-C50C-407E-A947-70E740481C1C}">
+                  <a14:useLocalDpi xmlns:a14="http://schemas.microsoft.com/office/drawing/2010/main" val="0"/>
+                </a:ext>
+              </a:extLst>
+            </a:blip>
+            <a:stretch>
+              <a:fillRect/>
+            </a:stretch>
+          </p:blipFill>
+          <p:spPr>
+            <a:xfrm>
+              <a:off x="9805808" y="4903193"/>
+              <a:ext cx="2386192" cy="1623527"/>
+            </a:xfrm>
+            <a:prstGeom prst="rect">
+              <a:avLst/>
+            </a:prstGeom>
+          </p:spPr>
+        </p:pic>
+      </p:grpSp>
+    </p:spTree>
+    <p:extLst>
+      <p:ext uri="{BB962C8B-B14F-4D97-AF65-F5344CB8AC3E}">
+        <p14:creationId xmlns:p14="http://schemas.microsoft.com/office/powerpoint/2010/main" val="3125937848"/>
+      </p:ext>
+    </p:extLst>
+  </p:cSld>
+  <p:clrMapOvr>
+    <a:masterClrMapping/>
+  </p:clrMapOvr>
+</p:sld>
+</file>
+
+<file path=ppt/slides/slide4.xml><?xml version="1.0" encoding="utf-8"?>
 <p:sld xmlns:a="http://schemas.openxmlformats.org/drawingml/2006/main" xmlns:r="http://schemas.openxmlformats.org/officeDocument/2006/relationships" xmlns:p="http://schemas.openxmlformats.org/presentationml/2006/main">
   <p:cSld>
     <p:spTree>
@@ -4335,7 +4603,7 @@
 </p:sld>
 </file>
 
-<file path=ppt/slides/slide4.xml><?xml version="1.0" encoding="utf-8"?>
+<file path=ppt/slides/slide5.xml><?xml version="1.0" encoding="utf-8"?>
 <p:sld xmlns:a="http://schemas.openxmlformats.org/drawingml/2006/main" xmlns:r="http://schemas.openxmlformats.org/officeDocument/2006/relationships" xmlns:p="http://schemas.openxmlformats.org/presentationml/2006/main">
   <p:cSld>
     <p:spTree>
